--- a/Course Content/Scrum vs Kanban.pptx
+++ b/Course Content/Scrum vs Kanban.pptx
@@ -106,6 +106,11 @@
       </a:defRPr>
     </a:lvl9pPr>
   </p:defaultTextStyle>
+  <p:extLst>
+    <p:ext uri="{EFAFB233-063F-42B5-8137-9DF3F51BA10A}">
+      <p15:sldGuideLst xmlns:p15="http://schemas.microsoft.com/office/powerpoint/2012/main"/>
+    </p:ext>
+  </p:extLst>
 </p:presentation>
 </file>
 
@@ -355,7 +360,7 @@
           <a:p>
             <a:fld id="{F39C25FC-304F-4681-BB84-4B2F6E01A696}" type="datetimeFigureOut">
               <a:rPr lang="en-US" smtClean="0"/>
-              <a:t>2/1/2022</a:t>
+              <a:t>3/21/2023</a:t>
             </a:fld>
             <a:endParaRPr lang="en-US"/>
           </a:p>
@@ -553,7 +558,7 @@
           <a:p>
             <a:fld id="{F39C25FC-304F-4681-BB84-4B2F6E01A696}" type="datetimeFigureOut">
               <a:rPr lang="en-US" smtClean="0"/>
-              <a:t>2/1/2022</a:t>
+              <a:t>3/21/2023</a:t>
             </a:fld>
             <a:endParaRPr lang="en-US"/>
           </a:p>
@@ -761,7 +766,7 @@
           <a:p>
             <a:fld id="{F39C25FC-304F-4681-BB84-4B2F6E01A696}" type="datetimeFigureOut">
               <a:rPr lang="en-US" smtClean="0"/>
-              <a:t>2/1/2022</a:t>
+              <a:t>3/21/2023</a:t>
             </a:fld>
             <a:endParaRPr lang="en-US"/>
           </a:p>
@@ -959,7 +964,7 @@
           <a:p>
             <a:fld id="{F39C25FC-304F-4681-BB84-4B2F6E01A696}" type="datetimeFigureOut">
               <a:rPr lang="en-US" smtClean="0"/>
-              <a:t>2/1/2022</a:t>
+              <a:t>3/21/2023</a:t>
             </a:fld>
             <a:endParaRPr lang="en-US"/>
           </a:p>
@@ -1234,7 +1239,7 @@
           <a:p>
             <a:fld id="{F39C25FC-304F-4681-BB84-4B2F6E01A696}" type="datetimeFigureOut">
               <a:rPr lang="en-US" smtClean="0"/>
-              <a:t>2/1/2022</a:t>
+              <a:t>3/21/2023</a:t>
             </a:fld>
             <a:endParaRPr lang="en-US"/>
           </a:p>
@@ -1499,7 +1504,7 @@
           <a:p>
             <a:fld id="{F39C25FC-304F-4681-BB84-4B2F6E01A696}" type="datetimeFigureOut">
               <a:rPr lang="en-US" smtClean="0"/>
-              <a:t>2/1/2022</a:t>
+              <a:t>3/21/2023</a:t>
             </a:fld>
             <a:endParaRPr lang="en-US"/>
           </a:p>
@@ -1911,7 +1916,7 @@
           <a:p>
             <a:fld id="{F39C25FC-304F-4681-BB84-4B2F6E01A696}" type="datetimeFigureOut">
               <a:rPr lang="en-US" smtClean="0"/>
-              <a:t>2/1/2022</a:t>
+              <a:t>3/21/2023</a:t>
             </a:fld>
             <a:endParaRPr lang="en-US"/>
           </a:p>
@@ -2052,7 +2057,7 @@
           <a:p>
             <a:fld id="{F39C25FC-304F-4681-BB84-4B2F6E01A696}" type="datetimeFigureOut">
               <a:rPr lang="en-US" smtClean="0"/>
-              <a:t>2/1/2022</a:t>
+              <a:t>3/21/2023</a:t>
             </a:fld>
             <a:endParaRPr lang="en-US"/>
           </a:p>
@@ -2165,7 +2170,7 @@
           <a:p>
             <a:fld id="{F39C25FC-304F-4681-BB84-4B2F6E01A696}" type="datetimeFigureOut">
               <a:rPr lang="en-US" smtClean="0"/>
-              <a:t>2/1/2022</a:t>
+              <a:t>3/21/2023</a:t>
             </a:fld>
             <a:endParaRPr lang="en-US"/>
           </a:p>
@@ -2476,7 +2481,7 @@
           <a:p>
             <a:fld id="{F39C25FC-304F-4681-BB84-4B2F6E01A696}" type="datetimeFigureOut">
               <a:rPr lang="en-US" smtClean="0"/>
-              <a:t>2/1/2022</a:t>
+              <a:t>3/21/2023</a:t>
             </a:fld>
             <a:endParaRPr lang="en-US"/>
           </a:p>
@@ -2764,7 +2769,7 @@
           <a:p>
             <a:fld id="{F39C25FC-304F-4681-BB84-4B2F6E01A696}" type="datetimeFigureOut">
               <a:rPr lang="en-US" smtClean="0"/>
-              <a:t>2/1/2022</a:t>
+              <a:t>3/21/2023</a:t>
             </a:fld>
             <a:endParaRPr lang="en-US"/>
           </a:p>
@@ -3005,7 +3010,7 @@
           <a:p>
             <a:fld id="{F39C25FC-304F-4681-BB84-4B2F6E01A696}" type="datetimeFigureOut">
               <a:rPr lang="en-US" smtClean="0"/>
-              <a:t>2/1/2022</a:t>
+              <a:t>3/21/2023</a:t>
             </a:fld>
             <a:endParaRPr lang="en-US"/>
           </a:p>
@@ -3543,7 +3548,7 @@
         </p:blipFill>
         <p:spPr bwMode="auto">
           <a:xfrm>
-            <a:off x="2319005" y="643466"/>
+            <a:off x="4638011" y="590247"/>
             <a:ext cx="7553989" cy="5571067"/>
           </a:xfrm>
           <a:prstGeom prst="rect">
@@ -3602,6 +3607,36 @@
           </a:p>
         </p:txBody>
       </p:sp>
+      <p:pic>
+        <p:nvPicPr>
+          <p:cNvPr id="3" name="Picture 2">
+            <a:extLst>
+              <a:ext uri="{FF2B5EF4-FFF2-40B4-BE49-F238E27FC236}">
+                <a16:creationId xmlns:a16="http://schemas.microsoft.com/office/drawing/2014/main" id="{2EB4FEE2-9BFD-D51E-4028-51E70F7D3C48}"/>
+              </a:ext>
+            </a:extLst>
+          </p:cNvPr>
+          <p:cNvPicPr>
+            <a:picLocks noChangeAspect="1"/>
+          </p:cNvPicPr>
+          <p:nvPr/>
+        </p:nvPicPr>
+        <p:blipFill>
+          <a:blip r:embed="rId3"/>
+          <a:stretch>
+            <a:fillRect/>
+          </a:stretch>
+        </p:blipFill>
+        <p:spPr>
+          <a:xfrm>
+            <a:off x="387986" y="483809"/>
+            <a:ext cx="4121092" cy="3628571"/>
+          </a:xfrm>
+          <a:prstGeom prst="rect">
+            <a:avLst/>
+          </a:prstGeom>
+        </p:spPr>
+      </p:pic>
     </p:spTree>
     <p:extLst>
       <p:ext uri="{BB962C8B-B14F-4D97-AF65-F5344CB8AC3E}">
@@ -3997,4 +4032,10 @@
     </a:ext>
   </a:extLst>
 </a:theme>
+</file>
+
+<file path=docMetadata/LabelInfo.xml><?xml version="1.0" encoding="utf-8"?>
+<clbl:labelList xmlns:clbl="http://schemas.microsoft.com/office/2020/mipLabelMetadata">
+  <clbl:label id="{f42aa342-8706-4288-bd11-ebb85995028c}" enabled="1" method="Standard" siteId="{72f988bf-86f1-41af-91ab-2d7cd011db47}" contentBits="0" removed="0"/>
+</clbl:labelList>
 </file>
--- a/Course Content/Scrum vs Kanban.pptx
+++ b/Course Content/Scrum vs Kanban.pptx
@@ -114,16 +114,32 @@
 </p:presentation>
 </file>
 
-<file path=ppt/revisionInfo.xml><?xml version="1.0" encoding="utf-8"?>
-<p1510:revInfo xmlns:a="http://schemas.openxmlformats.org/drawingml/2006/main" xmlns:r="http://schemas.openxmlformats.org/officeDocument/2006/relationships" xmlns:p1510="http://schemas.microsoft.com/office/powerpoint/2015/10/main">
-  <p1510:revLst>
-    <p1510:client id="{449A7495-3A14-45AC-8030-46D4AF9CFA7F}" v="2" dt="2022-02-01T13:23:26.143"/>
-  </p1510:revLst>
-</p1510:revInfo>
-</file>
-
 <file path=ppt/changesInfos/changesInfo1.xml><?xml version="1.0" encoding="utf-8"?>
 <pc:chgInfo xmlns:a="http://schemas.openxmlformats.org/drawingml/2006/main" xmlns:r="http://schemas.openxmlformats.org/officeDocument/2006/relationships" xmlns:ac="http://schemas.microsoft.com/office/drawing/2013/main/command" xmlns:pc="http://schemas.microsoft.com/office/powerpoint/2013/main/command">
+  <pc:docChgLst>
+    <pc:chgData name="Martin Schray" userId="bf4f4853c980e97a" providerId="LiveId" clId="{94BFC9A6-973F-4AFA-9409-0391A8909D36}"/>
+    <pc:docChg chg="modSld">
+      <pc:chgData name="Martin Schray" userId="bf4f4853c980e97a" providerId="LiveId" clId="{94BFC9A6-973F-4AFA-9409-0391A8909D36}" dt="2023-10-30T23:39:18.216" v="17" actId="20577"/>
+      <pc:docMkLst>
+        <pc:docMk/>
+      </pc:docMkLst>
+      <pc:sldChg chg="modSp mod">
+        <pc:chgData name="Martin Schray" userId="bf4f4853c980e97a" providerId="LiveId" clId="{94BFC9A6-973F-4AFA-9409-0391A8909D36}" dt="2023-10-30T23:39:18.216" v="17" actId="20577"/>
+        <pc:sldMkLst>
+          <pc:docMk/>
+          <pc:sldMk cId="1999812440" sldId="256"/>
+        </pc:sldMkLst>
+        <pc:spChg chg="mod">
+          <ac:chgData name="Martin Schray" userId="bf4f4853c980e97a" providerId="LiveId" clId="{94BFC9A6-973F-4AFA-9409-0391A8909D36}" dt="2023-10-30T23:39:18.216" v="17" actId="20577"/>
+          <ac:spMkLst>
+            <pc:docMk/>
+            <pc:sldMk cId="1999812440" sldId="256"/>
+            <ac:spMk id="2" creationId="{CCC5E7D6-A9F6-45BE-9D4B-662B6AAD5EB1}"/>
+          </ac:spMkLst>
+        </pc:spChg>
+      </pc:sldChg>
+    </pc:docChg>
+  </pc:docChgLst>
   <pc:docChgLst>
     <pc:chgData name="Martin Schray" userId="bf4f4853c980e97a" providerId="LiveId" clId="{449A7495-3A14-45AC-8030-46D4AF9CFA7F}"/>
     <pc:docChg chg="custSel addSld modSld">
@@ -360,7 +376,7 @@
           <a:p>
             <a:fld id="{F39C25FC-304F-4681-BB84-4B2F6E01A696}" type="datetimeFigureOut">
               <a:rPr lang="en-US" smtClean="0"/>
-              <a:t>3/21/2023</a:t>
+              <a:t>10/30/2023</a:t>
             </a:fld>
             <a:endParaRPr lang="en-US"/>
           </a:p>
@@ -558,7 +574,7 @@
           <a:p>
             <a:fld id="{F39C25FC-304F-4681-BB84-4B2F6E01A696}" type="datetimeFigureOut">
               <a:rPr lang="en-US" smtClean="0"/>
-              <a:t>3/21/2023</a:t>
+              <a:t>10/30/2023</a:t>
             </a:fld>
             <a:endParaRPr lang="en-US"/>
           </a:p>
@@ -766,7 +782,7 @@
           <a:p>
             <a:fld id="{F39C25FC-304F-4681-BB84-4B2F6E01A696}" type="datetimeFigureOut">
               <a:rPr lang="en-US" smtClean="0"/>
-              <a:t>3/21/2023</a:t>
+              <a:t>10/30/2023</a:t>
             </a:fld>
             <a:endParaRPr lang="en-US"/>
           </a:p>
@@ -964,7 +980,7 @@
           <a:p>
             <a:fld id="{F39C25FC-304F-4681-BB84-4B2F6E01A696}" type="datetimeFigureOut">
               <a:rPr lang="en-US" smtClean="0"/>
-              <a:t>3/21/2023</a:t>
+              <a:t>10/30/2023</a:t>
             </a:fld>
             <a:endParaRPr lang="en-US"/>
           </a:p>
@@ -1239,7 +1255,7 @@
           <a:p>
             <a:fld id="{F39C25FC-304F-4681-BB84-4B2F6E01A696}" type="datetimeFigureOut">
               <a:rPr lang="en-US" smtClean="0"/>
-              <a:t>3/21/2023</a:t>
+              <a:t>10/30/2023</a:t>
             </a:fld>
             <a:endParaRPr lang="en-US"/>
           </a:p>
@@ -1504,7 +1520,7 @@
           <a:p>
             <a:fld id="{F39C25FC-304F-4681-BB84-4B2F6E01A696}" type="datetimeFigureOut">
               <a:rPr lang="en-US" smtClean="0"/>
-              <a:t>3/21/2023</a:t>
+              <a:t>10/30/2023</a:t>
             </a:fld>
             <a:endParaRPr lang="en-US"/>
           </a:p>
@@ -1916,7 +1932,7 @@
           <a:p>
             <a:fld id="{F39C25FC-304F-4681-BB84-4B2F6E01A696}" type="datetimeFigureOut">
               <a:rPr lang="en-US" smtClean="0"/>
-              <a:t>3/21/2023</a:t>
+              <a:t>10/30/2023</a:t>
             </a:fld>
             <a:endParaRPr lang="en-US"/>
           </a:p>
@@ -2057,7 +2073,7 @@
           <a:p>
             <a:fld id="{F39C25FC-304F-4681-BB84-4B2F6E01A696}" type="datetimeFigureOut">
               <a:rPr lang="en-US" smtClean="0"/>
-              <a:t>3/21/2023</a:t>
+              <a:t>10/30/2023</a:t>
             </a:fld>
             <a:endParaRPr lang="en-US"/>
           </a:p>
@@ -2170,7 +2186,7 @@
           <a:p>
             <a:fld id="{F39C25FC-304F-4681-BB84-4B2F6E01A696}" type="datetimeFigureOut">
               <a:rPr lang="en-US" smtClean="0"/>
-              <a:t>3/21/2023</a:t>
+              <a:t>10/30/2023</a:t>
             </a:fld>
             <a:endParaRPr lang="en-US"/>
           </a:p>
@@ -2481,7 +2497,7 @@
           <a:p>
             <a:fld id="{F39C25FC-304F-4681-BB84-4B2F6E01A696}" type="datetimeFigureOut">
               <a:rPr lang="en-US" smtClean="0"/>
-              <a:t>3/21/2023</a:t>
+              <a:t>10/30/2023</a:t>
             </a:fld>
             <a:endParaRPr lang="en-US"/>
           </a:p>
@@ -2769,7 +2785,7 @@
           <a:p>
             <a:fld id="{F39C25FC-304F-4681-BB84-4B2F6E01A696}" type="datetimeFigureOut">
               <a:rPr lang="en-US" smtClean="0"/>
-              <a:t>3/21/2023</a:t>
+              <a:t>10/30/2023</a:t>
             </a:fld>
             <a:endParaRPr lang="en-US"/>
           </a:p>
@@ -3010,7 +3026,7 @@
           <a:p>
             <a:fld id="{F39C25FC-304F-4681-BB84-4B2F6E01A696}" type="datetimeFigureOut">
               <a:rPr lang="en-US" smtClean="0"/>
-              <a:t>3/21/2023</a:t>
+              <a:t>10/30/2023</a:t>
             </a:fld>
             <a:endParaRPr lang="en-US"/>
           </a:p>
@@ -3450,7 +3466,7 @@
           <a:p>
             <a:r>
               <a:rPr lang="en-US" dirty="0"/>
-              <a:t>Kanban the Agile Process</a:t>
+              <a:t>Kanban vs. Scrum</a:t>
             </a:r>
           </a:p>
         </p:txBody>
